--- a/Courses/Computer-Modeling-and-IT/Computer-Modeling-and-IT-6-Class/07-Page-Formatting-and-Printing-a-Document/07-Page-Formatting-and-Printing-a-Document.pptx
+++ b/Courses/Computer-Modeling-and-IT/Computer-Modeling-and-IT-6-Class/07-Page-Formatting-and-Printing-a-Document/07-Page-Formatting-and-Printing-a-Document.pptx
@@ -289,7 +289,7 @@
           <a:p>
             <a:fld id="{4E087215-0C8F-4762-A664-737A353EC9A4}" type="datetimeFigureOut">
               <a:rPr lang="bg-BG" smtClean="0"/>
-              <a:t>13.05.24 г.</a:t>
+              <a:t>7.06.24 г.</a:t>
             </a:fld>
             <a:endParaRPr lang="bg-BG"/>
           </a:p>
@@ -485,7 +485,7 @@
           <a:p>
             <a:fld id="{72D84649-876A-46C9-8472-14CB09C070D8}" type="datetimeFigureOut">
               <a:rPr lang="en-US" smtClean="0"/>
-              <a:t>5/13/24</a:t>
+              <a:t>6/7/24</a:t>
             </a:fld>
             <a:endParaRPr lang="en-US"/>
           </a:p>
@@ -7382,11 +7382,11 @@
             </a:r>
             <a:r>
               <a:rPr lang="ru-RU" b="1" dirty="0"/>
-              <a:t>документи</a:t>
+              <a:t>документи </a:t>
             </a:r>
             <a:r>
               <a:rPr lang="ru-RU" dirty="0"/>
-              <a:t>, които включват </a:t>
+              <a:t>с </a:t>
             </a:r>
             <a:r>
               <a:rPr lang="ru-RU" b="1" dirty="0"/>
@@ -7972,7 +7972,7 @@
             </a:r>
             <a:r>
               <a:rPr lang="bg-BG" b="1" dirty="0"/>
-              <a:t>в ляв </a:t>
+              <a:t>вляво </a:t>
             </a:r>
             <a:r>
               <a:rPr lang="bg-BG" dirty="0"/>
@@ -7980,7 +7980,7 @@
             </a:r>
             <a:r>
               <a:rPr lang="bg-BG" b="1" dirty="0"/>
-              <a:t>десен ъгъл</a:t>
+              <a:t>вдясно</a:t>
             </a:r>
             <a:endParaRPr lang="en-US" b="1" dirty="0"/>
           </a:p>
@@ -9068,9 +9068,10 @@
           <a:lstStyle/>
           <a:p>
             <a:r>
-              <a:rPr lang="en-US" dirty="0"/>
-              <a:t>Format Page Numbers…</a:t>
-            </a:r>
+              <a:rPr lang="bg-BG" dirty="0"/>
+              <a:t>Форматиране на номерацията</a:t>
+            </a:r>
+            <a:endParaRPr lang="en-US" dirty="0"/>
           </a:p>
         </p:txBody>
       </p:sp>
@@ -9176,12 +9177,27 @@
                   </a:outerShdw>
                 </a:effectLst>
               </a:rPr>
-              <a:t>Ако изберем опцията </a:t>
+              <a:t>При клик на </a:t>
             </a:r>
             <a:r>
               <a:rPr lang="en-US" sz="2800" b="1" dirty="0">
                 <a:solidFill>
-                  <a:schemeClr val="bg1">
+                  <a:srgbClr val="FFFFFF"/>
+                </a:solidFill>
+                <a:effectLst>
+                  <a:outerShdw blurRad="38100" dist="38100" dir="2700000" algn="tl">
+                    <a:srgbClr val="000000">
+                      <a:alpha val="43137"/>
+                    </a:srgbClr>
+                  </a:outerShdw>
+                </a:effectLst>
+              </a:rPr>
+              <a:t>[</a:t>
+            </a:r>
+            <a:r>
+              <a:rPr lang="en-US" sz="2800" b="1" dirty="0">
+                <a:solidFill>
+                  <a:schemeClr val="accent1">
                     <a:lumMod val="60000"/>
                     <a:lumOff val="40000"/>
                   </a:schemeClr>
@@ -9199,6 +9215,21 @@
             <a:r>
               <a:rPr lang="en-US" sz="2800" b="1" dirty="0">
                 <a:solidFill>
+                  <a:schemeClr val="bg2"/>
+                </a:solidFill>
+                <a:effectLst>
+                  <a:outerShdw blurRad="38100" dist="38100" dir="2700000" algn="tl">
+                    <a:srgbClr val="000000">
+                      <a:alpha val="43137"/>
+                    </a:srgbClr>
+                  </a:outerShdw>
+                </a:effectLst>
+              </a:rPr>
+              <a:t>]</a:t>
+            </a:r>
+            <a:r>
+              <a:rPr lang="en-US" sz="2800" b="1" dirty="0">
+                <a:solidFill>
                   <a:srgbClr val="FFFFFF"/>
                 </a:solidFill>
                 <a:effectLst>
@@ -9209,7 +9240,7 @@
                   </a:outerShdw>
                 </a:effectLst>
               </a:rPr>
-              <a:t>, </a:t>
+              <a:t> </a:t>
             </a:r>
             <a:r>
               <a:rPr lang="bg-BG" sz="2800" b="1" dirty="0">
@@ -9224,12 +9255,42 @@
                   </a:outerShdw>
                 </a:effectLst>
               </a:rPr>
-              <a:t>се отваря диалогов прозорец </a:t>
+              <a:t>се отваря прозорец</a:t>
             </a:r>
             <a:r>
               <a:rPr lang="en-US" sz="2800" b="1" dirty="0">
                 <a:solidFill>
-                  <a:schemeClr val="bg1">
+                  <a:srgbClr val="FFFFFF"/>
+                </a:solidFill>
+                <a:effectLst>
+                  <a:outerShdw blurRad="38100" dist="38100" dir="2700000" algn="tl">
+                    <a:srgbClr val="000000">
+                      <a:alpha val="43137"/>
+                    </a:srgbClr>
+                  </a:outerShdw>
+                </a:effectLst>
+              </a:rPr>
+              <a:t>a</a:t>
+            </a:r>
+            <a:r>
+              <a:rPr lang="bg-BG" sz="2800" b="1" dirty="0">
+                <a:solidFill>
+                  <a:srgbClr val="FFFFFF"/>
+                </a:solidFill>
+                <a:effectLst>
+                  <a:outerShdw blurRad="38100" dist="38100" dir="2700000" algn="tl">
+                    <a:srgbClr val="000000">
+                      <a:alpha val="43137"/>
+                    </a:srgbClr>
+                  </a:outerShdw>
+                </a:effectLst>
+              </a:rPr>
+              <a:t> </a:t>
+            </a:r>
+            <a:r>
+              <a:rPr lang="en-US" sz="2800" b="1" dirty="0">
+                <a:solidFill>
+                  <a:schemeClr val="accent1">
                     <a:lumMod val="60000"/>
                     <a:lumOff val="40000"/>
                   </a:schemeClr>
@@ -9287,12 +9348,12 @@
         <p:spPr bwMode="auto">
           <a:xfrm>
             <a:off x="2721000" y="1210904"/>
-            <a:ext cx="4905000" cy="1633096"/>
+            <a:ext cx="4905000" cy="1032501"/>
           </a:xfrm>
           <a:prstGeom prst="wedgeRoundRectCallout">
             <a:avLst>
-              <a:gd name="adj1" fmla="val 56477"/>
-              <a:gd name="adj2" fmla="val 25721"/>
+              <a:gd name="adj1" fmla="val 84699"/>
+              <a:gd name="adj2" fmla="val 57702"/>
               <a:gd name="adj3" fmla="val 16667"/>
             </a:avLst>
           </a:prstGeom>
@@ -9350,40 +9411,7 @@
                   </a:outerShdw>
                 </a:effectLst>
               </a:rPr>
-              <a:t>От полето </a:t>
-            </a:r>
-            <a:r>
-              <a:rPr lang="en-US" sz="2800" b="1" dirty="0">
-                <a:solidFill>
-                  <a:schemeClr val="bg1">
-                    <a:lumMod val="60000"/>
-                    <a:lumOff val="40000"/>
-                  </a:schemeClr>
-                </a:solidFill>
-                <a:effectLst>
-                  <a:outerShdw blurRad="38100" dist="38100" dir="2700000" algn="tl">
-                    <a:srgbClr val="000000">
-                      <a:alpha val="43137"/>
-                    </a:srgbClr>
-                  </a:outerShdw>
-                </a:effectLst>
-              </a:rPr>
-              <a:t>Number format </a:t>
-            </a:r>
-            <a:r>
-              <a:rPr lang="bg-BG" sz="2800" b="1" dirty="0">
-                <a:solidFill>
-                  <a:srgbClr val="FFFFFF"/>
-                </a:solidFill>
-                <a:effectLst>
-                  <a:outerShdw blurRad="38100" dist="38100" dir="2700000" algn="tl">
-                    <a:srgbClr val="000000">
-                      <a:alpha val="43137"/>
-                    </a:srgbClr>
-                  </a:outerShdw>
-                </a:effectLst>
-              </a:rPr>
-              <a:t>може да се задав вида на номерацията (1, 2, 3; </a:t>
+              <a:t>Задавате вида на номерацията (1, 2, 3; </a:t>
             </a:r>
             <a:r>
               <a:rPr lang="en-US" sz="2800" b="1" dirty="0">
@@ -9438,8 +9466,8 @@
         </p:nvSpPr>
         <p:spPr bwMode="auto">
           <a:xfrm>
-            <a:off x="4303818" y="3280500"/>
-            <a:ext cx="3195000" cy="3375000"/>
+            <a:off x="4195752" y="3926094"/>
+            <a:ext cx="3412182" cy="2580906"/>
           </a:xfrm>
           <a:prstGeom prst="wedgeRoundRectCallout">
             <a:avLst>
@@ -9502,12 +9530,12 @@
                   </a:outerShdw>
                 </a:effectLst>
               </a:rPr>
-              <a:t>От секцията </a:t>
-            </a:r>
-            <a:r>
-              <a:rPr lang="en-US" sz="2800" b="1" dirty="0">
+              <a:t>Избирате дали да </a:t>
+            </a:r>
+            <a:r>
+              <a:rPr lang="bg-BG" sz="2800" b="1" dirty="0">
                 <a:solidFill>
-                  <a:schemeClr val="bg1">
+                  <a:schemeClr val="accent1">
                     <a:lumMod val="60000"/>
                     <a:lumOff val="40000"/>
                   </a:schemeClr>
@@ -9520,7 +9548,7 @@
                   </a:outerShdw>
                 </a:effectLst>
               </a:rPr>
-              <a:t>Page numbering </a:t>
+              <a:t>продължите номерацията </a:t>
             </a:r>
             <a:r>
               <a:rPr lang="bg-BG" sz="2800" b="1" dirty="0">
@@ -9535,11 +9563,32 @@
                   </a:outerShdw>
                 </a:effectLst>
               </a:rPr>
-              <a:t>може да задавате как да продължава номерацията или да започнете от нова позиция</a:t>
+              <a:t>или да </a:t>
+            </a:r>
+            <a:r>
+              <a:rPr lang="bg-BG" sz="2800" b="1" dirty="0">
+                <a:solidFill>
+                  <a:schemeClr val="accent1">
+                    <a:lumMod val="60000"/>
+                    <a:lumOff val="40000"/>
+                  </a:schemeClr>
+                </a:solidFill>
+                <a:effectLst>
+                  <a:outerShdw blurRad="38100" dist="38100" dir="2700000" algn="tl">
+                    <a:srgbClr val="000000">
+                      <a:alpha val="43137"/>
+                    </a:srgbClr>
+                  </a:outerShdw>
+                </a:effectLst>
+              </a:rPr>
+              <a:t>започнете от нова позиция</a:t>
             </a:r>
             <a:endParaRPr lang="en-US" sz="2800" b="1" dirty="0">
               <a:solidFill>
-                <a:srgbClr val="FFFFFF"/>
+                <a:schemeClr val="accent1">
+                  <a:lumMod val="60000"/>
+                  <a:lumOff val="40000"/>
+                </a:schemeClr>
               </a:solidFill>
               <a:effectLst>
                 <a:outerShdw blurRad="38100" dist="38100" dir="2700000" algn="tl">
@@ -9585,6 +9634,155 @@
           </a:fontRef>
         </p:style>
       </p:cxnSp>
+      <p:sp>
+        <p:nvSpPr>
+          <p:cNvPr id="3" name="Rounded Rectangular Callout 2">
+            <a:extLst>
+              <a:ext uri="{FF2B5EF4-FFF2-40B4-BE49-F238E27FC236}">
+                <a16:creationId xmlns:a16="http://schemas.microsoft.com/office/drawing/2014/main" id="{74BEDC95-B1BB-2D9A-71E7-C76163246B29}"/>
+              </a:ext>
+            </a:extLst>
+          </p:cNvPr>
+          <p:cNvSpPr/>
+          <p:nvPr/>
+        </p:nvSpPr>
+        <p:spPr bwMode="auto">
+          <a:xfrm>
+            <a:off x="4213818" y="3941794"/>
+            <a:ext cx="3412182" cy="2580906"/>
+          </a:xfrm>
+          <a:prstGeom prst="wedgeRoundRectCallout">
+            <a:avLst>
+              <a:gd name="adj1" fmla="val 65456"/>
+              <a:gd name="adj2" fmla="val -25884"/>
+              <a:gd name="adj3" fmla="val 16667"/>
+            </a:avLst>
+          </a:prstGeom>
+          <a:solidFill>
+            <a:schemeClr val="dk2">
+              <a:alpha val="80000"/>
+            </a:schemeClr>
+          </a:solidFill>
+          <a:ln w="19050">
+            <a:solidFill>
+              <a:schemeClr val="tx1">
+                <a:lumMod val="75000"/>
+                <a:alpha val="80000"/>
+              </a:schemeClr>
+            </a:solidFill>
+          </a:ln>
+          <a:effectLst/>
+        </p:spPr>
+        <p:style>
+          <a:lnRef idx="2">
+            <a:schemeClr val="accent1">
+              <a:shade val="50000"/>
+            </a:schemeClr>
+          </a:lnRef>
+          <a:fillRef idx="1001">
+            <a:schemeClr val="dk2"/>
+          </a:fillRef>
+          <a:effectRef idx="0">
+            <a:schemeClr val="accent1"/>
+          </a:effectRef>
+          <a:fontRef idx="minor">
+            <a:schemeClr val="lt1"/>
+          </a:fontRef>
+        </p:style>
+        <p:txBody>
+          <a:bodyPr rot="0" spcFirstLastPara="0" vertOverflow="overflow" horzOverflow="overflow" vert="horz" wrap="square" lIns="91440" tIns="45720" rIns="91440" bIns="45720" numCol="1" spcCol="0" rtlCol="0" fromWordArt="0" anchor="ctr" anchorCtr="0" forceAA="0" compatLnSpc="1">
+            <a:prstTxWarp prst="textNoShape">
+              <a:avLst/>
+            </a:prstTxWarp>
+            <a:noAutofit/>
+          </a:bodyPr>
+          <a:lstStyle/>
+          <a:p>
+            <a:pPr algn="ctr"/>
+            <a:r>
+              <a:rPr lang="bg-BG" sz="2800" b="1" dirty="0">
+                <a:solidFill>
+                  <a:srgbClr val="FFFFFF"/>
+                </a:solidFill>
+                <a:effectLst>
+                  <a:outerShdw blurRad="38100" dist="38100" dir="2700000" algn="tl">
+                    <a:srgbClr val="000000">
+                      <a:alpha val="43137"/>
+                    </a:srgbClr>
+                  </a:outerShdw>
+                </a:effectLst>
+              </a:rPr>
+              <a:t>Избирате дали да </a:t>
+            </a:r>
+            <a:r>
+              <a:rPr lang="bg-BG" sz="2800" b="1" dirty="0">
+                <a:solidFill>
+                  <a:schemeClr val="accent1">
+                    <a:lumMod val="60000"/>
+                    <a:lumOff val="40000"/>
+                  </a:schemeClr>
+                </a:solidFill>
+                <a:effectLst>
+                  <a:outerShdw blurRad="38100" dist="38100" dir="2700000" algn="tl">
+                    <a:srgbClr val="000000">
+                      <a:alpha val="43137"/>
+                    </a:srgbClr>
+                  </a:outerShdw>
+                </a:effectLst>
+              </a:rPr>
+              <a:t>продължите номерацията </a:t>
+            </a:r>
+            <a:r>
+              <a:rPr lang="bg-BG" sz="2800" b="1" dirty="0">
+                <a:solidFill>
+                  <a:srgbClr val="FFFFFF"/>
+                </a:solidFill>
+                <a:effectLst>
+                  <a:outerShdw blurRad="38100" dist="38100" dir="2700000" algn="tl">
+                    <a:srgbClr val="000000">
+                      <a:alpha val="43137"/>
+                    </a:srgbClr>
+                  </a:outerShdw>
+                </a:effectLst>
+              </a:rPr>
+              <a:t>или да </a:t>
+            </a:r>
+            <a:r>
+              <a:rPr lang="bg-BG" sz="2800" b="1" dirty="0">
+                <a:solidFill>
+                  <a:schemeClr val="accent1">
+                    <a:lumMod val="60000"/>
+                    <a:lumOff val="40000"/>
+                  </a:schemeClr>
+                </a:solidFill>
+                <a:effectLst>
+                  <a:outerShdw blurRad="38100" dist="38100" dir="2700000" algn="tl">
+                    <a:srgbClr val="000000">
+                      <a:alpha val="43137"/>
+                    </a:srgbClr>
+                  </a:outerShdw>
+                </a:effectLst>
+              </a:rPr>
+              <a:t>започнете от нова позиция</a:t>
+            </a:r>
+            <a:endParaRPr lang="en-US" sz="2800" b="1" dirty="0">
+              <a:solidFill>
+                <a:schemeClr val="accent1">
+                  <a:lumMod val="60000"/>
+                  <a:lumOff val="40000"/>
+                </a:schemeClr>
+              </a:solidFill>
+              <a:effectLst>
+                <a:outerShdw blurRad="38100" dist="38100" dir="2700000" algn="tl">
+                  <a:srgbClr val="000000">
+                    <a:alpha val="43137"/>
+                  </a:srgbClr>
+                </a:outerShdw>
+              </a:effectLst>
+            </a:endParaRPr>
+          </a:p>
+        </p:txBody>
+      </p:sp>
     </p:spTree>
     <p:extLst>
       <p:ext uri="{BB962C8B-B14F-4D97-AF65-F5344CB8AC3E}">
@@ -9857,6 +10055,33 @@
                                   </p:childTnLst>
                                 </p:cTn>
                               </p:par>
+                              <p:par>
+                                <p:cTn id="25" presetID="1" presetClass="entr" presetSubtype="0" fill="hold" grpId="0" nodeType="withEffect">
+                                  <p:stCondLst>
+                                    <p:cond delay="0"/>
+                                  </p:stCondLst>
+                                  <p:childTnLst>
+                                    <p:set>
+                                      <p:cBhvr>
+                                        <p:cTn id="26" dur="1" fill="hold">
+                                          <p:stCondLst>
+                                            <p:cond delay="0"/>
+                                          </p:stCondLst>
+                                        </p:cTn>
+                                        <p:tgtEl>
+                                          <p:spTgt spid="3"/>
+                                        </p:tgtEl>
+                                        <p:attrNameLst>
+                                          <p:attrName>style.visibility</p:attrName>
+                                        </p:attrNameLst>
+                                      </p:cBhvr>
+                                      <p:to>
+                                        <p:strVal val="visible"/>
+                                      </p:to>
+                                    </p:set>
+                                  </p:childTnLst>
+                                </p:cTn>
+                              </p:par>
                             </p:childTnLst>
                           </p:cTn>
                         </p:par>
@@ -9888,6 +10113,7 @@
       <p:bldP spid="6" grpId="0" animBg="1"/>
       <p:bldP spid="8" grpId="0" animBg="1"/>
       <p:bldP spid="9" grpId="0" animBg="1"/>
+      <p:bldP spid="3" grpId="0" animBg="1"/>
     </p:bldLst>
   </p:timing>
 </p:sld>
@@ -10826,13 +11052,13 @@
         </p:nvSpPr>
         <p:spPr bwMode="auto">
           <a:xfrm>
-            <a:off x="9606041" y="5620500"/>
+            <a:off x="9342042" y="5472000"/>
             <a:ext cx="2025000" cy="1035000"/>
           </a:xfrm>
           <a:prstGeom prst="wedgeRoundRectCallout">
             <a:avLst>
-              <a:gd name="adj1" fmla="val -73957"/>
-              <a:gd name="adj2" fmla="val -40572"/>
+              <a:gd name="adj1" fmla="val -50125"/>
+              <a:gd name="adj2" fmla="val -17258"/>
               <a:gd name="adj3" fmla="val 16667"/>
             </a:avLst>
           </a:prstGeom>
@@ -10984,7 +11210,7 @@
             <a:r>
               <a:rPr lang="en-US" sz="2800" b="1" dirty="0">
                 <a:solidFill>
-                  <a:schemeClr val="bg1">
+                  <a:schemeClr val="accent1">
                     <a:lumMod val="60000"/>
                     <a:lumOff val="40000"/>
                   </a:schemeClr>
@@ -11121,7 +11347,7 @@
             <a:r>
               <a:rPr lang="en-US" sz="2800" b="1" dirty="0">
                 <a:solidFill>
-                  <a:schemeClr val="bg1">
+                  <a:schemeClr val="accent1">
                     <a:lumMod val="60000"/>
                     <a:lumOff val="40000"/>
                   </a:schemeClr>
@@ -11253,7 +11479,40 @@
                   </a:outerShdw>
                 </a:effectLst>
               </a:rPr>
-              <a:t>Избирате колко копия да се принтира</a:t>
+              <a:t>Избирате </a:t>
+            </a:r>
+            <a:r>
+              <a:rPr lang="bg-BG" sz="2800" b="1" dirty="0">
+                <a:solidFill>
+                  <a:schemeClr val="accent1">
+                    <a:lumMod val="60000"/>
+                    <a:lumOff val="40000"/>
+                  </a:schemeClr>
+                </a:solidFill>
+                <a:effectLst>
+                  <a:outerShdw blurRad="38100" dist="38100" dir="2700000" algn="tl">
+                    <a:srgbClr val="000000">
+                      <a:alpha val="43137"/>
+                    </a:srgbClr>
+                  </a:outerShdw>
+                </a:effectLst>
+              </a:rPr>
+              <a:t>колко копия </a:t>
+            </a:r>
+            <a:r>
+              <a:rPr lang="bg-BG" sz="2800" b="1" dirty="0">
+                <a:solidFill>
+                  <a:srgbClr val="FFFFFF"/>
+                </a:solidFill>
+                <a:effectLst>
+                  <a:outerShdw blurRad="38100" dist="38100" dir="2700000" algn="tl">
+                    <a:srgbClr val="000000">
+                      <a:alpha val="43137"/>
+                    </a:srgbClr>
+                  </a:outerShdw>
+                </a:effectLst>
+              </a:rPr>
+              <a:t>да се принтират</a:t>
             </a:r>
             <a:endParaRPr lang="en-US" sz="2800" b="1" dirty="0">
               <a:solidFill>
@@ -11575,12 +11834,28 @@
               <a:t>С бутона </a:t>
             </a:r>
             <a:r>
+              <a:rPr lang="en-US" dirty="0"/>
+              <a:t>[</a:t>
+            </a:r>
+            <a:r>
               <a:rPr lang="en-US" b="1" dirty="0">
                 <a:solidFill>
                   <a:schemeClr val="bg1"/>
                 </a:solidFill>
               </a:rPr>
-              <a:t>Print All Pages </a:t>
+              <a:t>Print All Pages</a:t>
+            </a:r>
+            <a:r>
+              <a:rPr lang="en-US" dirty="0"/>
+              <a:t>]</a:t>
+            </a:r>
+            <a:r>
+              <a:rPr lang="en-US" b="1" dirty="0">
+                <a:solidFill>
+                  <a:schemeClr val="bg1"/>
+                </a:solidFill>
+              </a:rPr>
+              <a:t> </a:t>
             </a:r>
             <a:r>
               <a:rPr lang="bg-BG" dirty="0"/>
@@ -14037,7 +14312,7 @@
             </a:r>
             <a:r>
               <a:rPr lang="bg-BG" dirty="0"/>
-              <a:t> на странция</a:t>
+              <a:t> на страница</a:t>
             </a:r>
           </a:p>
           <a:p>
@@ -14699,11 +14974,11 @@
   <p:clrMapOvr>
     <a:masterClrMapping/>
   </p:clrMapOvr>
-  <mc:AlternateContent xmlns:mc="http://schemas.openxmlformats.org/markup-compatibility/2006">
-    <mc:Choice xmlns:p14="http://schemas.microsoft.com/office/powerpoint/2010/main" Requires="p14">
+  <mc:AlternateContent xmlns:mc="http://schemas.openxmlformats.org/markup-compatibility/2006" xmlns:p14="http://schemas.microsoft.com/office/powerpoint/2010/main">
+    <mc:Choice Requires="p14">
       <p:transition spd="slow" p14:dur="2000" advClick="0" advTm="5000"/>
     </mc:Choice>
-    <mc:Fallback>
+    <mc:Fallback xmlns="">
       <p:transition spd="slow" advClick="0" advTm="5000"/>
     </mc:Fallback>
   </mc:AlternateContent>
@@ -14854,7 +15129,7 @@
         <p:spPr/>
         <p:txBody>
           <a:bodyPr>
-            <a:normAutofit lnSpcReduction="10000"/>
+            <a:normAutofit fontScale="92500"/>
           </a:bodyPr>
           <a:lstStyle/>
           <a:p>
@@ -14878,13 +15153,32 @@
               <a:rPr lang="ru-RU" dirty="0"/>
               <a:t> върху хартия</a:t>
             </a:r>
-            <a:endParaRPr lang="bg-BG" dirty="0"/>
           </a:p>
           <a:p>
             <a:r>
               <a:rPr lang="bg-BG" dirty="0"/>
-              <a:t>͏</a:t>
-            </a:r>
+              <a:t>Текстовият файл се състои от</a:t>
+            </a:r>
+            <a:r>
+              <a:rPr lang="bg-BG" b="1" dirty="0"/>
+              <a:t> </a:t>
+            </a:r>
+            <a:r>
+              <a:rPr lang="bg-BG" b="1" dirty="0">
+                <a:solidFill>
+                  <a:schemeClr val="bg1"/>
+                </a:solidFill>
+              </a:rPr>
+              <a:t>страници</a:t>
+            </a:r>
+            <a:endParaRPr lang="bg-BG" b="1" dirty="0"/>
+          </a:p>
+          <a:p>
+            <a:pPr lvl="1">
+              <a:buClr>
+                <a:schemeClr val="tx1"/>
+              </a:buClr>
+            </a:pPr>
             <a:r>
               <a:rPr lang="bg-BG" b="1" dirty="0">
                 <a:solidFill>
@@ -14894,12 +15188,16 @@
               <a:t>Страница</a:t>
             </a:r>
             <a:r>
+              <a:rPr lang="bg-BG" b="1" dirty="0"/>
+              <a:t> </a:t>
+            </a:r>
+            <a:r>
               <a:rPr lang="bg-BG" dirty="0"/>
-              <a:t> – </a:t>
+              <a:t>– </a:t>
             </a:r>
             <a:r>
               <a:rPr lang="bg-BG" b="1" dirty="0"/>
-              <a:t>тескт</a:t>
+              <a:t>текст</a:t>
             </a:r>
             <a:r>
               <a:rPr lang="bg-BG" dirty="0"/>
@@ -15422,6 +15720,55 @@
                                     <p:set>
                                       <p:cBhvr>
                                         <p:cTn id="30" dur="1" fill="hold">
+                                          <p:stCondLst>
+                                            <p:cond delay="0"/>
+                                          </p:stCondLst>
+                                        </p:cTn>
+                                        <p:tgtEl>
+                                          <p:spTgt spid="5">
+                                            <p:txEl>
+                                              <p:pRg st="7" end="7"/>
+                                            </p:txEl>
+                                          </p:spTgt>
+                                        </p:tgtEl>
+                                        <p:attrNameLst>
+                                          <p:attrName>style.visibility</p:attrName>
+                                        </p:attrNameLst>
+                                      </p:cBhvr>
+                                      <p:to>
+                                        <p:strVal val="visible"/>
+                                      </p:to>
+                                    </p:set>
+                                  </p:childTnLst>
+                                </p:cTn>
+                              </p:par>
+                            </p:childTnLst>
+                          </p:cTn>
+                        </p:par>
+                      </p:childTnLst>
+                    </p:cTn>
+                  </p:par>
+                  <p:par>
+                    <p:cTn id="31" fill="hold">
+                      <p:stCondLst>
+                        <p:cond delay="indefinite"/>
+                      </p:stCondLst>
+                      <p:childTnLst>
+                        <p:par>
+                          <p:cTn id="32" fill="hold">
+                            <p:stCondLst>
+                              <p:cond delay="0"/>
+                            </p:stCondLst>
+                            <p:childTnLst>
+                              <p:par>
+                                <p:cTn id="33" presetID="1" presetClass="entr" presetSubtype="0" fill="hold" nodeType="clickEffect">
+                                  <p:stCondLst>
+                                    <p:cond delay="0"/>
+                                  </p:stCondLst>
+                                  <p:childTnLst>
+                                    <p:set>
+                                      <p:cBhvr>
+                                        <p:cTn id="34" dur="1" fill="hold">
                                           <p:stCondLst>
                                             <p:cond delay="0"/>
                                           </p:stCondLst>
@@ -17417,8 +17764,8 @@
         </p:blipFill>
         <p:spPr>
           <a:xfrm>
-            <a:off x="9471000" y="1962403"/>
-            <a:ext cx="2025000" cy="3649098"/>
+            <a:off x="9326870" y="1702677"/>
+            <a:ext cx="2169130" cy="3908824"/>
           </a:xfrm>
           <a:prstGeom prst="rect">
             <a:avLst/>
@@ -18220,7 +18567,7 @@
         <p:spPr bwMode="auto">
           <a:xfrm>
             <a:off x="291000" y="3268020"/>
-            <a:ext cx="3825000" cy="1980000"/>
+            <a:ext cx="3825000" cy="1555980"/>
           </a:xfrm>
           <a:prstGeom prst="wedgeRoundRectCallout">
             <a:avLst>
@@ -18283,7 +18630,7 @@
                   </a:outerShdw>
                 </a:effectLst>
               </a:rPr>
-              <a:t>От стрелката в долния десен ъгъл може да отворите диалоговия прозорец </a:t>
+              <a:t>От тази стрелка може да отворите прозореца </a:t>
             </a:r>
             <a:r>
               <a:rPr lang="en-US" sz="2800" b="1" dirty="0">
@@ -18411,11 +18758,32 @@
                   </a:outerShdw>
                 </a:effectLst>
               </a:rPr>
-              <a:t>Размер на белите полета</a:t>
+              <a:t>Размер на </a:t>
+            </a:r>
+            <a:r>
+              <a:rPr lang="bg-BG" sz="2800" b="1" dirty="0">
+                <a:solidFill>
+                  <a:schemeClr val="accent1">
+                    <a:lumMod val="60000"/>
+                    <a:lumOff val="40000"/>
+                  </a:schemeClr>
+                </a:solidFill>
+                <a:effectLst>
+                  <a:outerShdw blurRad="38100" dist="38100" dir="2700000" algn="tl">
+                    <a:srgbClr val="000000">
+                      <a:alpha val="43137"/>
+                    </a:srgbClr>
+                  </a:outerShdw>
+                </a:effectLst>
+              </a:rPr>
+              <a:t>белите полета</a:t>
             </a:r>
             <a:endParaRPr lang="en-US" sz="2800" b="1" dirty="0">
               <a:solidFill>
-                <a:srgbClr val="FFFFFF"/>
+                <a:schemeClr val="accent1">
+                  <a:lumMod val="60000"/>
+                  <a:lumOff val="40000"/>
+                </a:schemeClr>
               </a:solidFill>
               <a:effectLst>
                 <a:outerShdw blurRad="38100" dist="38100" dir="2700000" algn="tl">
@@ -18662,8 +19030,8 @@
           </a:xfrm>
           <a:prstGeom prst="wedgeRoundRectCallout">
             <a:avLst>
-              <a:gd name="adj1" fmla="val 56882"/>
-              <a:gd name="adj2" fmla="val 6627"/>
+              <a:gd name="adj1" fmla="val 68670"/>
+              <a:gd name="adj2" fmla="val 8468"/>
               <a:gd name="adj3" fmla="val 16667"/>
             </a:avLst>
           </a:prstGeom>
@@ -18721,12 +19089,12 @@
                   </a:outerShdw>
                 </a:effectLst>
               </a:rPr>
-              <a:t>От </a:t>
-            </a:r>
-            <a:r>
-              <a:rPr lang="en-US" sz="2800" b="1" dirty="0">
+              <a:t>Изберете </a:t>
+            </a:r>
+            <a:r>
+              <a:rPr lang="bg-BG" sz="2800" b="1" dirty="0">
                 <a:solidFill>
-                  <a:schemeClr val="bg1">
+                  <a:schemeClr val="accent1">
                     <a:lumMod val="60000"/>
                     <a:lumOff val="40000"/>
                   </a:schemeClr>
@@ -18739,7 +19107,7 @@
                   </a:outerShdw>
                 </a:effectLst>
               </a:rPr>
-              <a:t>Apply to </a:t>
+              <a:t>за кои страници </a:t>
             </a:r>
             <a:r>
               <a:rPr lang="bg-BG" sz="2800" b="1" dirty="0">
@@ -18754,7 +19122,40 @@
                   </a:outerShdw>
                 </a:effectLst>
               </a:rPr>
-              <a:t>може да изберете за кои страници да се отнасят параметрите, които сте задали</a:t>
+              <a:t>да се отнасят </a:t>
+            </a:r>
+            <a:r>
+              <a:rPr lang="bg-BG" sz="2800" b="1" dirty="0">
+                <a:solidFill>
+                  <a:schemeClr val="accent1">
+                    <a:lumMod val="60000"/>
+                    <a:lumOff val="40000"/>
+                  </a:schemeClr>
+                </a:solidFill>
+                <a:effectLst>
+                  <a:outerShdw blurRad="38100" dist="38100" dir="2700000" algn="tl">
+                    <a:srgbClr val="000000">
+                      <a:alpha val="43137"/>
+                    </a:srgbClr>
+                  </a:outerShdw>
+                </a:effectLst>
+              </a:rPr>
+              <a:t>параметрите</a:t>
+            </a:r>
+            <a:r>
+              <a:rPr lang="bg-BG" sz="2800" b="1" dirty="0">
+                <a:solidFill>
+                  <a:srgbClr val="FFFFFF"/>
+                </a:solidFill>
+                <a:effectLst>
+                  <a:outerShdw blurRad="38100" dist="38100" dir="2700000" algn="tl">
+                    <a:srgbClr val="000000">
+                      <a:alpha val="43137"/>
+                    </a:srgbClr>
+                  </a:outerShdw>
+                </a:effectLst>
+              </a:rPr>
+              <a:t>, които сте задали</a:t>
             </a:r>
             <a:endParaRPr lang="en-US" sz="2800" b="1" dirty="0">
               <a:solidFill>

--- a/Courses/Computer-Modeling-and-IT/Computer-Modeling-and-IT-6-Class/07-Page-Formatting-and-Printing-a-Document/07-Page-Formatting-and-Printing-a-Document.pptx
+++ b/Courses/Computer-Modeling-and-IT/Computer-Modeling-and-IT-6-Class/07-Page-Formatting-and-Printing-a-Document/07-Page-Formatting-and-Printing-a-Document.pptx
@@ -289,7 +289,7 @@
           <a:p>
             <a:fld id="{4E087215-0C8F-4762-A664-737A353EC9A4}" type="datetimeFigureOut">
               <a:rPr lang="bg-BG" smtClean="0"/>
-              <a:t>7.06.24 г.</a:t>
+              <a:t>7.6.2024 г.</a:t>
             </a:fld>
             <a:endParaRPr lang="bg-BG"/>
           </a:p>
@@ -485,7 +485,7 @@
           <a:p>
             <a:fld id="{72D84649-876A-46C9-8472-14CB09C070D8}" type="datetimeFigureOut">
               <a:rPr lang="en-US" smtClean="0"/>
-              <a:t>6/7/24</a:t>
+              <a:t>6/7/2024</a:t>
             </a:fld>
             <a:endParaRPr lang="en-US"/>
           </a:p>
@@ -7234,95 +7234,47 @@
           </a:prstGeom>
         </p:spPr>
       </p:pic>
-      <p:sp>
-        <p:nvSpPr>
-          <p:cNvPr id="3" name="Picture Placeholder 2"/>
-          <p:cNvSpPr>
-            <a:spLocks noGrp="1"/>
-          </p:cNvSpPr>
+      <p:pic>
+        <p:nvPicPr>
+          <p:cNvPr id="1030" name="Picture 6" descr="APA Title Page: Format And Templates BibGuru Blog, 56% OFF"/>
+          <p:cNvPicPr>
+            <a:picLocks noGrp="1" noChangeAspect="1" noChangeArrowheads="1"/>
+          </p:cNvPicPr>
           <p:nvPr>
             <p:ph type="pic" sz="quarter" idx="10"/>
           </p:nvPr>
-        </p:nvSpPr>
-        <p:spPr/>
-        <p:txBody>
-          <a:bodyPr/>
-          <a:lstStyle/>
-          <a:p>
-            <a:endParaRPr lang="bg-BG"/>
-          </a:p>
-        </p:txBody>
-      </p:sp>
-      <p:sp>
-        <p:nvSpPr>
-          <p:cNvPr id="12" name="Rectangle 11"/>
-          <p:cNvSpPr/>
-          <p:nvPr/>
-        </p:nvSpPr>
+        </p:nvPicPr>
+        <p:blipFill rotWithShape="1">
+          <a:blip r:embed="rId5">
+            <a:extLst>
+              <a:ext uri="{28A0092B-C50C-407E-A947-70E740481C1C}">
+                <a14:useLocalDpi xmlns:a14="http://schemas.microsoft.com/office/drawing/2010/main" val="0"/>
+              </a:ext>
+            </a:extLst>
+          </a:blip>
+          <a:srcRect l="7624" t="19878" r="22434" b="8288"/>
+          <a:stretch/>
+        </p:blipFill>
         <p:spPr bwMode="auto">
           <a:xfrm>
-            <a:off x="2046000" y="2619000"/>
-            <a:ext cx="5535000" cy="3888000"/>
+            <a:off x="6906000" y="3159000"/>
+            <a:ext cx="4732380" cy="2430000"/>
           </a:xfrm>
           <a:prstGeom prst="rect">
             <a:avLst/>
           </a:prstGeom>
-          <a:ln/>
-        </p:spPr>
-        <p:style>
-          <a:lnRef idx="2">
-            <a:schemeClr val="accent1"/>
-          </a:lnRef>
-          <a:fillRef idx="1">
-            <a:schemeClr val="lt1"/>
-          </a:fillRef>
-          <a:effectRef idx="0">
-            <a:schemeClr val="accent1"/>
-          </a:effectRef>
-          <a:fontRef idx="minor">
-            <a:schemeClr val="dk1"/>
-          </a:fontRef>
-        </p:style>
-        <p:txBody>
-          <a:bodyPr rot="0" spcFirstLastPara="0" vertOverflow="overflow" horzOverflow="overflow" vert="horz" wrap="square" lIns="91440" tIns="45720" rIns="91440" bIns="45720" numCol="1" spcCol="0" rtlCol="0" fromWordArt="0" anchor="ctr" anchorCtr="0" forceAA="0" compatLnSpc="1">
-            <a:prstTxWarp prst="textNoShape">
-              <a:avLst/>
-            </a:prstTxWarp>
-            <a:noAutofit/>
-          </a:bodyPr>
-          <a:lstStyle/>
-          <a:p>
-            <a:pPr algn="ctr"/>
-            <a:r>
-              <a:rPr lang="bg-BG" sz="6000" b="1" dirty="0">
+          <a:noFill/>
+          <a:extLst>
+            <a:ext uri="{909E8E84-426E-40DD-AFC4-6F175D3DCCD1}">
+              <a14:hiddenFill xmlns:a14="http://schemas.microsoft.com/office/drawing/2010/main">
                 <a:solidFill>
                   <a:srgbClr val="FFFFFF"/>
                 </a:solidFill>
-                <a:effectLst>
-                  <a:outerShdw blurRad="38100" dist="38100" dir="2700000" algn="tl">
-                    <a:srgbClr val="000000">
-                      <a:alpha val="43137"/>
-                    </a:srgbClr>
-                  </a:outerShdw>
-                </a:effectLst>
-              </a:rPr>
-              <a:t>Добавяне на снимка </a:t>
-            </a:r>
-            <a:endParaRPr lang="en-US" sz="6000" b="1" dirty="0">
-              <a:solidFill>
-                <a:srgbClr val="FFFFFF"/>
-              </a:solidFill>
-              <a:effectLst>
-                <a:outerShdw blurRad="38100" dist="38100" dir="2700000" algn="tl">
-                  <a:srgbClr val="000000">
-                    <a:alpha val="43137"/>
-                  </a:srgbClr>
-                </a:outerShdw>
-              </a:effectLst>
-            </a:endParaRPr>
-          </a:p>
-        </p:txBody>
-      </p:sp>
+              </a14:hiddenFill>
+            </a:ext>
+          </a:extLst>
+        </p:spPr>
+      </p:pic>
     </p:spTree>
     <p:extLst>
       <p:ext uri="{BB962C8B-B14F-4D97-AF65-F5344CB8AC3E}">
@@ -14059,7 +14011,7 @@
                 <a:hlinkClick r:id="rId3">
                   <a:extLst>
                     <a:ext uri="{A12FA001-AC4F-418D-AE19-62706E023703}">
-                      <ahyp:hlinkClr xmlns:ahyp="http://schemas.microsoft.com/office/drawing/2018/hyperlinkcolor" val="tx"/>
+                      <ahyp:hlinkClr xmlns:ahyp="http://schemas.microsoft.com/office/drawing/2018/hyperlinkcolor" xmlns="" val="tx"/>
                     </a:ext>
                   </a:extLst>
                 </a:hlinkClick>
@@ -15129,7 +15081,7 @@
         <p:spPr/>
         <p:txBody>
           <a:bodyPr>
-            <a:normAutofit fontScale="92500"/>
+            <a:normAutofit fontScale="92500" lnSpcReduction="10000"/>
           </a:bodyPr>
           <a:lstStyle/>
           <a:p>

--- a/Courses/Computer-Modeling-and-IT/Computer-Modeling-and-IT-6-Class/07-Page-Formatting-and-Printing-a-Document/07-Page-Formatting-and-Printing-a-Document.pptx
+++ b/Courses/Computer-Modeling-and-IT/Computer-Modeling-and-IT-6-Class/07-Page-Formatting-and-Printing-a-Document/07-Page-Formatting-and-Printing-a-Document.pptx
@@ -289,7 +289,7 @@
           <a:p>
             <a:fld id="{4E087215-0C8F-4762-A664-737A353EC9A4}" type="datetimeFigureOut">
               <a:rPr lang="bg-BG" smtClean="0"/>
-              <a:t>7.6.2024 г.</a:t>
+              <a:t>28.1.2025 г.</a:t>
             </a:fld>
             <a:endParaRPr lang="bg-BG"/>
           </a:p>
@@ -485,7 +485,7 @@
           <a:p>
             <a:fld id="{72D84649-876A-46C9-8472-14CB09C070D8}" type="datetimeFigureOut">
               <a:rPr lang="en-US" smtClean="0"/>
-              <a:t>6/7/2024</a:t>
+              <a:t>1/28/2025</a:t>
             </a:fld>
             <a:endParaRPr lang="en-US"/>
           </a:p>
@@ -1199,7 +1199,7 @@
           <a:bodyPr/>
           <a:lstStyle/>
           <a:p>
-            <a:endParaRPr lang="en-US" dirty="0"/>
+            <a:endParaRPr lang="en-GB" dirty="0"/>
           </a:p>
         </p:txBody>
       </p:sp>
@@ -1210,7 +1210,7 @@
             <a:spLocks noGrp="1"/>
           </p:cNvSpPr>
           <p:nvPr>
-            <p:ph type="sldNum" sz="quarter" idx="10"/>
+            <p:ph type="sldNum" sz="quarter" idx="5"/>
           </p:nvPr>
         </p:nvSpPr>
         <p:spPr/>
@@ -1220,7 +1220,7 @@
           <a:p>
             <a:fld id="{2BF067CD-8E6B-4360-9AA8-C5DF2A48A6D1}" type="slidenum">
               <a:rPr lang="en-US" smtClean="0"/>
-              <a:t>6</a:t>
+              <a:t>5</a:t>
             </a:fld>
             <a:endParaRPr lang="en-US" dirty="0"/>
           </a:p>
@@ -1233,7 +1233,7 @@
             <a:spLocks noGrp="1"/>
           </p:cNvSpPr>
           <p:nvPr>
-            <p:ph type="ftr" sz="quarter" idx="11"/>
+            <p:ph type="ftr" sz="quarter" idx="4"/>
           </p:nvPr>
         </p:nvSpPr>
         <p:spPr/>
@@ -1266,7 +1266,7 @@
     </p:spTree>
     <p:extLst>
       <p:ext uri="{BB962C8B-B14F-4D97-AF65-F5344CB8AC3E}">
-        <p14:creationId xmlns:p14="http://schemas.microsoft.com/office/powerpoint/2010/main" val="3957420967"/>
+        <p14:creationId xmlns:p14="http://schemas.microsoft.com/office/powerpoint/2010/main" val="436243026"/>
       </p:ext>
     </p:extLst>
   </p:cSld>
@@ -1341,7 +1341,7 @@
           <a:p>
             <a:fld id="{2BF067CD-8E6B-4360-9AA8-C5DF2A48A6D1}" type="slidenum">
               <a:rPr lang="en-US" smtClean="0"/>
-              <a:t>7</a:t>
+              <a:t>6</a:t>
             </a:fld>
             <a:endParaRPr lang="en-US" dirty="0"/>
           </a:p>
@@ -1387,7 +1387,7 @@
     </p:spTree>
     <p:extLst>
       <p:ext uri="{BB962C8B-B14F-4D97-AF65-F5344CB8AC3E}">
-        <p14:creationId xmlns:p14="http://schemas.microsoft.com/office/powerpoint/2010/main" val="1263953392"/>
+        <p14:creationId xmlns:p14="http://schemas.microsoft.com/office/powerpoint/2010/main" val="3957420967"/>
       </p:ext>
     </p:extLst>
   </p:cSld>
@@ -1447,6 +1447,248 @@
       </p:sp>
       <p:sp>
         <p:nvSpPr>
+          <p:cNvPr id="4" name="Slide Number Placeholder 3"/>
+          <p:cNvSpPr>
+            <a:spLocks noGrp="1"/>
+          </p:cNvSpPr>
+          <p:nvPr>
+            <p:ph type="sldNum" sz="quarter" idx="10"/>
+          </p:nvPr>
+        </p:nvSpPr>
+        <p:spPr/>
+        <p:txBody>
+          <a:bodyPr/>
+          <a:lstStyle/>
+          <a:p>
+            <a:fld id="{2BF067CD-8E6B-4360-9AA8-C5DF2A48A6D1}" type="slidenum">
+              <a:rPr lang="en-US" smtClean="0"/>
+              <a:t>7</a:t>
+            </a:fld>
+            <a:endParaRPr lang="en-US" dirty="0"/>
+          </a:p>
+        </p:txBody>
+      </p:sp>
+      <p:sp>
+        <p:nvSpPr>
+          <p:cNvPr id="5" name="Footer Placeholder 4"/>
+          <p:cNvSpPr>
+            <a:spLocks noGrp="1"/>
+          </p:cNvSpPr>
+          <p:nvPr>
+            <p:ph type="ftr" sz="quarter" idx="11"/>
+          </p:nvPr>
+        </p:nvSpPr>
+        <p:spPr/>
+        <p:txBody>
+          <a:bodyPr/>
+          <a:lstStyle/>
+          <a:p>
+            <a:r>
+              <a:rPr lang="bg-BG" sz="1100"/>
+              <a:t>Работна група </a:t>
+            </a:r>
+            <a:r>
+              <a:rPr lang="bg-BG"/>
+              <a:t>"Образование по програмиране и ИТ"</a:t>
+            </a:r>
+            <a:r>
+              <a:rPr lang="bg-BG" sz="1100"/>
+              <a:t>, с подкрепата на </a:t>
+            </a:r>
+            <a:r>
+              <a:rPr lang="en-US" sz="1100">
+                <a:hlinkClick r:id="rId3"/>
+              </a:rPr>
+              <a:t>SoftUni</a:t>
+            </a:r>
+            <a:endParaRPr lang="en-US" sz="1100" dirty="0"/>
+          </a:p>
+        </p:txBody>
+      </p:sp>
+    </p:spTree>
+    <p:extLst>
+      <p:ext uri="{BB962C8B-B14F-4D97-AF65-F5344CB8AC3E}">
+        <p14:creationId xmlns:p14="http://schemas.microsoft.com/office/powerpoint/2010/main" val="1263953392"/>
+      </p:ext>
+    </p:extLst>
+  </p:cSld>
+  <p:clrMapOvr>
+    <a:masterClrMapping/>
+  </p:clrMapOvr>
+</p:notes>
+</file>
+
+<file path=ppt/notesSlides/notesSlide6.xml><?xml version="1.0" encoding="utf-8"?>
+<p:notes xmlns:a="http://schemas.openxmlformats.org/drawingml/2006/main" xmlns:r="http://schemas.openxmlformats.org/officeDocument/2006/relationships" xmlns:p="http://schemas.openxmlformats.org/presentationml/2006/main">
+  <p:cSld>
+    <p:spTree>
+      <p:nvGrpSpPr>
+        <p:cNvPr id="1" name=""/>
+        <p:cNvGrpSpPr/>
+        <p:nvPr/>
+      </p:nvGrpSpPr>
+      <p:grpSpPr>
+        <a:xfrm>
+          <a:off x="0" y="0"/>
+          <a:ext cx="0" cy="0"/>
+          <a:chOff x="0" y="0"/>
+          <a:chExt cx="0" cy="0"/>
+        </a:xfrm>
+      </p:grpSpPr>
+      <p:sp>
+        <p:nvSpPr>
+          <p:cNvPr id="2" name="Slide Image Placeholder 1"/>
+          <p:cNvSpPr>
+            <a:spLocks noGrp="1" noRot="1" noChangeAspect="1"/>
+          </p:cNvSpPr>
+          <p:nvPr>
+            <p:ph type="sldImg"/>
+          </p:nvPr>
+        </p:nvSpPr>
+        <p:spPr/>
+      </p:sp>
+      <p:sp>
+        <p:nvSpPr>
+          <p:cNvPr id="3" name="Notes Placeholder 2"/>
+          <p:cNvSpPr>
+            <a:spLocks noGrp="1"/>
+          </p:cNvSpPr>
+          <p:nvPr>
+            <p:ph type="body" idx="1"/>
+          </p:nvPr>
+        </p:nvSpPr>
+        <p:spPr/>
+        <p:txBody>
+          <a:bodyPr/>
+          <a:lstStyle/>
+          <a:p>
+            <a:endParaRPr lang="en-GB" dirty="0"/>
+          </a:p>
+        </p:txBody>
+      </p:sp>
+      <p:sp>
+        <p:nvSpPr>
+          <p:cNvPr id="4" name="Slide Number Placeholder 3"/>
+          <p:cNvSpPr>
+            <a:spLocks noGrp="1"/>
+          </p:cNvSpPr>
+          <p:nvPr>
+            <p:ph type="sldNum" sz="quarter" idx="5"/>
+          </p:nvPr>
+        </p:nvSpPr>
+        <p:spPr/>
+        <p:txBody>
+          <a:bodyPr/>
+          <a:lstStyle/>
+          <a:p>
+            <a:fld id="{2BF067CD-8E6B-4360-9AA8-C5DF2A48A6D1}" type="slidenum">
+              <a:rPr lang="en-US" smtClean="0"/>
+              <a:t>12</a:t>
+            </a:fld>
+            <a:endParaRPr lang="en-US" dirty="0"/>
+          </a:p>
+        </p:txBody>
+      </p:sp>
+      <p:sp>
+        <p:nvSpPr>
+          <p:cNvPr id="5" name="Footer Placeholder 4"/>
+          <p:cNvSpPr>
+            <a:spLocks noGrp="1"/>
+          </p:cNvSpPr>
+          <p:nvPr>
+            <p:ph type="ftr" sz="quarter" idx="4"/>
+          </p:nvPr>
+        </p:nvSpPr>
+        <p:spPr/>
+        <p:txBody>
+          <a:bodyPr/>
+          <a:lstStyle/>
+          <a:p>
+            <a:r>
+              <a:rPr lang="bg-BG" sz="1100"/>
+              <a:t>Работна група </a:t>
+            </a:r>
+            <a:r>
+              <a:rPr lang="bg-BG"/>
+              <a:t>"Образование по програмиране и ИТ"</a:t>
+            </a:r>
+            <a:r>
+              <a:rPr lang="bg-BG" sz="1100"/>
+              <a:t>, с подкрепата на </a:t>
+            </a:r>
+            <a:r>
+              <a:rPr lang="en-US" sz="1100">
+                <a:hlinkClick r:id="rId3"/>
+              </a:rPr>
+              <a:t>SoftUni</a:t>
+            </a:r>
+            <a:endParaRPr lang="en-US" sz="1100" dirty="0"/>
+          </a:p>
+        </p:txBody>
+      </p:sp>
+    </p:spTree>
+    <p:extLst>
+      <p:ext uri="{BB962C8B-B14F-4D97-AF65-F5344CB8AC3E}">
+        <p14:creationId xmlns:p14="http://schemas.microsoft.com/office/powerpoint/2010/main" val="316597619"/>
+      </p:ext>
+    </p:extLst>
+  </p:cSld>
+  <p:clrMapOvr>
+    <a:masterClrMapping/>
+  </p:clrMapOvr>
+</p:notes>
+</file>
+
+<file path=ppt/notesSlides/notesSlide7.xml><?xml version="1.0" encoding="utf-8"?>
+<p:notes xmlns:a="http://schemas.openxmlformats.org/drawingml/2006/main" xmlns:r="http://schemas.openxmlformats.org/officeDocument/2006/relationships" xmlns:p="http://schemas.openxmlformats.org/presentationml/2006/main">
+  <p:cSld>
+    <p:spTree>
+      <p:nvGrpSpPr>
+        <p:cNvPr id="1" name=""/>
+        <p:cNvGrpSpPr/>
+        <p:nvPr/>
+      </p:nvGrpSpPr>
+      <p:grpSpPr>
+        <a:xfrm>
+          <a:off x="0" y="0"/>
+          <a:ext cx="0" cy="0"/>
+          <a:chOff x="0" y="0"/>
+          <a:chExt cx="0" cy="0"/>
+        </a:xfrm>
+      </p:grpSpPr>
+      <p:sp>
+        <p:nvSpPr>
+          <p:cNvPr id="2" name="Slide Image Placeholder 1"/>
+          <p:cNvSpPr>
+            <a:spLocks noGrp="1" noRot="1" noChangeAspect="1"/>
+          </p:cNvSpPr>
+          <p:nvPr>
+            <p:ph type="sldImg"/>
+          </p:nvPr>
+        </p:nvSpPr>
+        <p:spPr/>
+      </p:sp>
+      <p:sp>
+        <p:nvSpPr>
+          <p:cNvPr id="3" name="Notes Placeholder 2"/>
+          <p:cNvSpPr>
+            <a:spLocks noGrp="1"/>
+          </p:cNvSpPr>
+          <p:nvPr>
+            <p:ph type="body" idx="1"/>
+          </p:nvPr>
+        </p:nvSpPr>
+        <p:spPr/>
+        <p:txBody>
+          <a:bodyPr/>
+          <a:lstStyle/>
+          <a:p>
+            <a:endParaRPr lang="en-US" dirty="0"/>
+          </a:p>
+        </p:txBody>
+      </p:sp>
+      <p:sp>
+        <p:nvSpPr>
           <p:cNvPr id="4" name="Footer Placeholder 3"/>
           <p:cNvSpPr>
             <a:spLocks noGrp="1"/>
@@ -1531,7 +1773,7 @@
 </p:notes>
 </file>
 
-<file path=ppt/notesSlides/notesSlide6.xml><?xml version="1.0" encoding="utf-8"?>
+<file path=ppt/notesSlides/notesSlide8.xml><?xml version="1.0" encoding="utf-8"?>
 <p:notes xmlns:a="http://schemas.openxmlformats.org/drawingml/2006/main" xmlns:r="http://schemas.openxmlformats.org/officeDocument/2006/relationships" xmlns:p="http://schemas.openxmlformats.org/presentationml/2006/main">
   <p:cSld>
     <p:spTree>
@@ -1761,7 +2003,7 @@
 </p:notes>
 </file>
 
-<file path=ppt/notesSlides/notesSlide7.xml><?xml version="1.0" encoding="utf-8"?>
+<file path=ppt/notesSlides/notesSlide9.xml><?xml version="1.0" encoding="utf-8"?>
 <p:notes xmlns:a="http://schemas.openxmlformats.org/drawingml/2006/main" xmlns:r="http://schemas.openxmlformats.org/officeDocument/2006/relationships" xmlns:p="http://schemas.openxmlformats.org/presentationml/2006/main">
   <p:cSld>
     <p:spTree>
@@ -7461,15 +7703,20 @@
           <p:nvPr/>
         </p:nvPicPr>
         <p:blipFill>
-          <a:blip r:embed="rId2"/>
-          <a:stretch>
-            <a:fillRect/>
-          </a:stretch>
+          <a:blip r:embed="rId2">
+            <a:extLst>
+              <a:ext uri="{28A0092B-C50C-407E-A947-70E740481C1C}">
+                <a14:useLocalDpi xmlns:a14="http://schemas.microsoft.com/office/drawing/2010/main" val="0"/>
+              </a:ext>
+            </a:extLst>
+          </a:blip>
+          <a:srcRect/>
+          <a:stretch/>
         </p:blipFill>
         <p:spPr>
           <a:xfrm>
-            <a:off x="2384577" y="4446970"/>
-            <a:ext cx="3150000" cy="1958107"/>
+            <a:off x="2384577" y="4458637"/>
+            <a:ext cx="3150000" cy="1934772"/>
           </a:xfrm>
           <a:prstGeom prst="rect">
             <a:avLst/>
@@ -7492,19 +7739,31 @@
           <p:nvPr/>
         </p:nvPicPr>
         <p:blipFill>
-          <a:blip r:embed="rId3"/>
-          <a:stretch>
-            <a:fillRect/>
-          </a:stretch>
+          <a:blip r:embed="rId3">
+            <a:extLst>
+              <a:ext uri="{28A0092B-C50C-407E-A947-70E740481C1C}">
+                <a14:useLocalDpi xmlns:a14="http://schemas.microsoft.com/office/drawing/2010/main" val="0"/>
+              </a:ext>
+            </a:extLst>
+          </a:blip>
+          <a:srcRect/>
+          <a:stretch/>
         </p:blipFill>
         <p:spPr>
           <a:xfrm>
-            <a:off x="6861000" y="4127158"/>
-            <a:ext cx="2246075" cy="2597733"/>
+            <a:off x="7015792" y="4127158"/>
+            <a:ext cx="1936491" cy="2597733"/>
           </a:xfrm>
           <a:prstGeom prst="rect">
             <a:avLst/>
           </a:prstGeom>
+          <a:ln>
+            <a:solidFill>
+              <a:schemeClr val="bg2">
+                <a:lumMod val="75000"/>
+              </a:schemeClr>
+            </a:solidFill>
+          </a:ln>
         </p:spPr>
       </p:pic>
       <p:cxnSp>
@@ -9036,14 +9295,20 @@
           <p:nvPr/>
         </p:nvPicPr>
         <p:blipFill rotWithShape="1">
-          <a:blip r:embed="rId2"/>
-          <a:srcRect t="1689"/>
+          <a:blip r:embed="rId3">
+            <a:extLst>
+              <a:ext uri="{28A0092B-C50C-407E-A947-70E740481C1C}">
+                <a14:useLocalDpi xmlns:a14="http://schemas.microsoft.com/office/drawing/2010/main" val="0"/>
+              </a:ext>
+            </a:extLst>
+          </a:blip>
+          <a:srcRect t="-490" b="-490"/>
           <a:stretch/>
         </p:blipFill>
         <p:spPr>
           <a:xfrm>
-            <a:off x="921000" y="1359001"/>
-            <a:ext cx="2660330" cy="3060000"/>
+            <a:off x="1011000" y="1258128"/>
+            <a:ext cx="2216800" cy="2999808"/>
           </a:xfrm>
           <a:prstGeom prst="rect">
             <a:avLst/>
@@ -9065,13 +9330,13 @@
         </p:nvSpPr>
         <p:spPr bwMode="auto">
           <a:xfrm>
-            <a:off x="190406" y="4419001"/>
+            <a:off x="219394" y="4452372"/>
             <a:ext cx="3790594" cy="2294999"/>
           </a:xfrm>
           <a:prstGeom prst="wedgeRoundRectCallout">
             <a:avLst>
-              <a:gd name="adj1" fmla="val -12447"/>
-              <a:gd name="adj2" fmla="val -68130"/>
+              <a:gd name="adj1" fmla="val -12902"/>
+              <a:gd name="adj2" fmla="val -77527"/>
               <a:gd name="adj3" fmla="val 16667"/>
             </a:avLst>
           </a:prstGeom>
@@ -9269,15 +9534,20 @@
           <p:nvPr/>
         </p:nvPicPr>
         <p:blipFill>
-          <a:blip r:embed="rId3"/>
-          <a:stretch>
-            <a:fillRect/>
-          </a:stretch>
+          <a:blip r:embed="rId4">
+            <a:extLst>
+              <a:ext uri="{28A0092B-C50C-407E-A947-70E740481C1C}">
+                <a14:useLocalDpi xmlns:a14="http://schemas.microsoft.com/office/drawing/2010/main" val="0"/>
+              </a:ext>
+            </a:extLst>
+          </a:blip>
+          <a:srcRect/>
+          <a:stretch/>
         </p:blipFill>
         <p:spPr>
           <a:xfrm>
-            <a:off x="7948818" y="1696135"/>
-            <a:ext cx="3825000" cy="4132759"/>
+            <a:off x="8077231" y="1696135"/>
+            <a:ext cx="3568174" cy="4132759"/>
           </a:xfrm>
           <a:prstGeom prst="rect">
             <a:avLst/>
@@ -9600,7 +9870,7 @@
         </p:nvSpPr>
         <p:spPr bwMode="auto">
           <a:xfrm>
-            <a:off x="4213818" y="3941794"/>
+            <a:off x="4195752" y="3927486"/>
             <a:ext cx="3412182" cy="2580906"/>
           </a:xfrm>
           <a:prstGeom prst="wedgeRoundRectCallout">
@@ -10282,13 +10552,19 @@
           <p:nvPr/>
         </p:nvPicPr>
         <p:blipFill rotWithShape="1">
-          <a:blip r:embed="rId2"/>
-          <a:srcRect r="9755" b="23102"/>
+          <a:blip r:embed="rId2">
+            <a:extLst>
+              <a:ext uri="{28A0092B-C50C-407E-A947-70E740481C1C}">
+                <a14:useLocalDpi xmlns:a14="http://schemas.microsoft.com/office/drawing/2010/main" val="0"/>
+              </a:ext>
+            </a:extLst>
+          </a:blip>
+          <a:srcRect t="1146" b="1146"/>
           <a:stretch/>
         </p:blipFill>
         <p:spPr>
           <a:xfrm>
-            <a:off x="921000" y="3294000"/>
+            <a:off x="561000" y="3195026"/>
             <a:ext cx="4525714" cy="2475000"/>
           </a:xfrm>
           <a:prstGeom prst="rect">
@@ -10312,15 +10588,20 @@
           <p:nvPr/>
         </p:nvPicPr>
         <p:blipFill>
-          <a:blip r:embed="rId3"/>
-          <a:stretch>
-            <a:fillRect/>
-          </a:stretch>
+          <a:blip r:embed="rId3">
+            <a:extLst>
+              <a:ext uri="{28A0092B-C50C-407E-A947-70E740481C1C}">
+                <a14:useLocalDpi xmlns:a14="http://schemas.microsoft.com/office/drawing/2010/main" val="0"/>
+              </a:ext>
+            </a:extLst>
+          </a:blip>
+          <a:srcRect/>
+          <a:stretch/>
         </p:blipFill>
         <p:spPr>
           <a:xfrm>
-            <a:off x="6771000" y="2979000"/>
-            <a:ext cx="4448796" cy="3305636"/>
+            <a:off x="6884455" y="2169000"/>
+            <a:ext cx="4473757" cy="4103747"/>
           </a:xfrm>
           <a:prstGeom prst="rect">
             <a:avLst/>
@@ -10342,7 +10623,7 @@
         </p:nvSpPr>
         <p:spPr bwMode="auto">
           <a:xfrm>
-            <a:off x="831000" y="3699000"/>
+            <a:off x="696000" y="4111477"/>
             <a:ext cx="1080000" cy="630000"/>
           </a:xfrm>
           <a:prstGeom prst="rect">
@@ -10351,10 +10632,7 @@
           <a:noFill/>
           <a:ln w="38100">
             <a:solidFill>
-              <a:schemeClr val="bg1">
-                <a:lumMod val="60000"/>
-                <a:lumOff val="40000"/>
-              </a:schemeClr>
+              <a:schemeClr val="tx1"/>
             </a:solidFill>
           </a:ln>
           <a:effectLst/>
@@ -10400,82 +10678,18 @@
           </a:p>
         </p:txBody>
       </p:sp>
-      <p:sp>
-        <p:nvSpPr>
-          <p:cNvPr id="10" name="Rectangle 9"/>
-          <p:cNvSpPr/>
-          <p:nvPr/>
-        </p:nvSpPr>
-        <p:spPr bwMode="auto">
-          <a:xfrm>
-            <a:off x="6771000" y="5499000"/>
-            <a:ext cx="1125000" cy="405000"/>
-          </a:xfrm>
-          <a:prstGeom prst="rect">
-            <a:avLst/>
-          </a:prstGeom>
-          <a:noFill/>
-          <a:ln w="38100">
-            <a:solidFill>
-              <a:schemeClr val="bg1">
-                <a:lumMod val="60000"/>
-                <a:lumOff val="40000"/>
-              </a:schemeClr>
-            </a:solidFill>
-          </a:ln>
-          <a:effectLst/>
-        </p:spPr>
-        <p:style>
-          <a:lnRef idx="2">
-            <a:schemeClr val="accent1">
-              <a:shade val="50000"/>
-            </a:schemeClr>
-          </a:lnRef>
-          <a:fillRef idx="1001">
-            <a:schemeClr val="dk2"/>
-          </a:fillRef>
-          <a:effectRef idx="0">
-            <a:schemeClr val="accent1"/>
-          </a:effectRef>
-          <a:fontRef idx="minor">
-            <a:schemeClr val="lt1"/>
-          </a:fontRef>
-        </p:style>
-        <p:txBody>
-          <a:bodyPr rot="0" spcFirstLastPara="0" vertOverflow="overflow" horzOverflow="overflow" vert="horz" wrap="square" lIns="91440" tIns="45720" rIns="91440" bIns="45720" numCol="1" spcCol="0" rtlCol="0" fromWordArt="0" anchor="ctr" anchorCtr="0" forceAA="0" compatLnSpc="1">
-            <a:prstTxWarp prst="textNoShape">
-              <a:avLst/>
-            </a:prstTxWarp>
-            <a:noAutofit/>
-          </a:bodyPr>
-          <a:lstStyle/>
-          <a:p>
-            <a:pPr algn="ctr"/>
-            <a:endParaRPr lang="en-US" sz="2800" b="1" dirty="0">
-              <a:solidFill>
-                <a:srgbClr val="FFFFFF"/>
-              </a:solidFill>
-              <a:effectLst>
-                <a:outerShdw blurRad="38100" dist="38100" dir="2700000" algn="tl">
-                  <a:srgbClr val="000000">
-                    <a:alpha val="43137"/>
-                  </a:srgbClr>
-                </a:outerShdw>
-              </a:effectLst>
-            </a:endParaRPr>
-          </a:p>
-        </p:txBody>
-      </p:sp>
       <p:cxnSp>
         <p:nvCxnSpPr>
           <p:cNvPr id="12" name="Straight Arrow Connector 11"/>
-          <p:cNvCxnSpPr/>
+          <p:cNvCxnSpPr>
+            <a:cxnSpLocks/>
+          </p:cNvCxnSpPr>
           <p:nvPr/>
         </p:nvCxnSpPr>
         <p:spPr>
           <a:xfrm>
-            <a:off x="5703857" y="4631818"/>
-            <a:ext cx="810000" cy="237182"/>
+            <a:off x="5457312" y="4741477"/>
+            <a:ext cx="1056545" cy="127523"/>
           </a:xfrm>
           <a:prstGeom prst="straightConnector1">
             <a:avLst/>
@@ -10735,51 +10949,6 @@
                       </p:childTnLst>
                     </p:cTn>
                   </p:par>
-                  <p:par>
-                    <p:cTn id="19" fill="hold">
-                      <p:stCondLst>
-                        <p:cond delay="indefinite"/>
-                      </p:stCondLst>
-                      <p:childTnLst>
-                        <p:par>
-                          <p:cTn id="20" fill="hold">
-                            <p:stCondLst>
-                              <p:cond delay="0"/>
-                            </p:stCondLst>
-                            <p:childTnLst>
-                              <p:par>
-                                <p:cTn id="21" presetID="1" presetClass="entr" presetSubtype="0" fill="hold" grpId="0" nodeType="clickEffect">
-                                  <p:stCondLst>
-                                    <p:cond delay="0"/>
-                                  </p:stCondLst>
-                                  <p:childTnLst>
-                                    <p:set>
-                                      <p:cBhvr>
-                                        <p:cTn id="22" dur="1" fill="hold">
-                                          <p:stCondLst>
-                                            <p:cond delay="0"/>
-                                          </p:stCondLst>
-                                        </p:cTn>
-                                        <p:tgtEl>
-                                          <p:spTgt spid="10"/>
-                                        </p:tgtEl>
-                                        <p:attrNameLst>
-                                          <p:attrName>style.visibility</p:attrName>
-                                        </p:attrNameLst>
-                                      </p:cBhvr>
-                                      <p:to>
-                                        <p:strVal val="visible"/>
-                                      </p:to>
-                                    </p:set>
-                                  </p:childTnLst>
-                                </p:cTn>
-                              </p:par>
-                            </p:childTnLst>
-                          </p:cTn>
-                        </p:par>
-                      </p:childTnLst>
-                    </p:cTn>
-                  </p:par>
                 </p:childTnLst>
               </p:cTn>
               <p:prevCondLst>
@@ -10803,7 +10972,6 @@
     </p:tnLst>
     <p:bldLst>
       <p:bldP spid="9" grpId="0" animBg="1"/>
-      <p:bldP spid="10" grpId="0" animBg="1"/>
     </p:bldLst>
   </p:timing>
 </p:sld>
@@ -10826,6 +10994,41 @@
           <a:chExt cx="0" cy="0"/>
         </a:xfrm>
       </p:grpSpPr>
+      <p:pic>
+        <p:nvPicPr>
+          <p:cNvPr id="18" name="Picture 17">
+            <a:extLst>
+              <a:ext uri="{FF2B5EF4-FFF2-40B4-BE49-F238E27FC236}">
+                <a16:creationId xmlns:a16="http://schemas.microsoft.com/office/drawing/2014/main" id="{1AEF6D15-6820-98D7-067D-C81D95405580}"/>
+              </a:ext>
+            </a:extLst>
+          </p:cNvPr>
+          <p:cNvPicPr>
+            <a:picLocks noChangeAspect="1"/>
+          </p:cNvPicPr>
+          <p:nvPr/>
+        </p:nvPicPr>
+        <p:blipFill>
+          <a:blip r:embed="rId2">
+            <a:extLst>
+              <a:ext uri="{28A0092B-C50C-407E-A947-70E740481C1C}">
+                <a14:useLocalDpi xmlns:a14="http://schemas.microsoft.com/office/drawing/2010/main" val="0"/>
+              </a:ext>
+            </a:extLst>
+          </a:blip>
+          <a:srcRect/>
+          <a:stretch/>
+        </p:blipFill>
+        <p:spPr>
+          <a:xfrm>
+            <a:off x="2158946" y="1233380"/>
+            <a:ext cx="7874108" cy="5495805"/>
+          </a:xfrm>
+          <a:prstGeom prst="rect">
+            <a:avLst/>
+          </a:prstGeom>
+        </p:spPr>
+      </p:pic>
       <p:sp>
         <p:nvSpPr>
           <p:cNvPr id="2" name="Slide Number Placeholder 1"/>
@@ -10873,129 +11076,6 @@
           </a:p>
         </p:txBody>
       </p:sp>
-      <p:grpSp>
-        <p:nvGrpSpPr>
-          <p:cNvPr id="10" name="Group 9"/>
-          <p:cNvGrpSpPr/>
-          <p:nvPr/>
-        </p:nvGrpSpPr>
-        <p:grpSpPr>
-          <a:xfrm>
-            <a:off x="2136000" y="1179000"/>
-            <a:ext cx="7876353" cy="5553000"/>
-            <a:chOff x="3380537" y="1490625"/>
-            <a:chExt cx="7084888" cy="4995000"/>
-          </a:xfrm>
-        </p:grpSpPr>
-        <p:grpSp>
-          <p:nvGrpSpPr>
-            <p:cNvPr id="8" name="Group 7"/>
-            <p:cNvGrpSpPr/>
-            <p:nvPr/>
-          </p:nvGrpSpPr>
-          <p:grpSpPr>
-            <a:xfrm>
-              <a:off x="3380537" y="1490625"/>
-              <a:ext cx="7084888" cy="4995000"/>
-              <a:chOff x="2600538" y="1358998"/>
-              <a:chExt cx="7155024" cy="4919839"/>
-            </a:xfrm>
-          </p:grpSpPr>
-          <p:pic>
-            <p:nvPicPr>
-              <p:cNvPr id="5" name="Picture 4"/>
-              <p:cNvPicPr>
-                <a:picLocks noChangeAspect="1"/>
-              </p:cNvPicPr>
-              <p:nvPr/>
-            </p:nvPicPr>
-            <p:blipFill rotWithShape="1">
-              <a:blip r:embed="rId2"/>
-              <a:srcRect l="40548" r="21376"/>
-              <a:stretch/>
-            </p:blipFill>
-            <p:spPr>
-              <a:xfrm>
-                <a:off x="5331000" y="1359000"/>
-                <a:ext cx="3465000" cy="4919837"/>
-              </a:xfrm>
-              <a:prstGeom prst="rect">
-                <a:avLst/>
-              </a:prstGeom>
-            </p:spPr>
-          </p:pic>
-          <p:pic>
-            <p:nvPicPr>
-              <p:cNvPr id="6" name="Picture 5"/>
-              <p:cNvPicPr>
-                <a:picLocks noChangeAspect="1"/>
-              </p:cNvPicPr>
-              <p:nvPr/>
-            </p:nvPicPr>
-            <p:blipFill rotWithShape="1">
-              <a:blip r:embed="rId2"/>
-              <a:srcRect r="69836"/>
-              <a:stretch/>
-            </p:blipFill>
-            <p:spPr>
-              <a:xfrm>
-                <a:off x="2600538" y="1358998"/>
-                <a:ext cx="2745000" cy="4919837"/>
-              </a:xfrm>
-              <a:prstGeom prst="rect">
-                <a:avLst/>
-              </a:prstGeom>
-            </p:spPr>
-          </p:pic>
-          <p:pic>
-            <p:nvPicPr>
-              <p:cNvPr id="7" name="Picture 6"/>
-              <p:cNvPicPr>
-                <a:picLocks noChangeAspect="1"/>
-              </p:cNvPicPr>
-              <p:nvPr/>
-            </p:nvPicPr>
-            <p:blipFill rotWithShape="1">
-              <a:blip r:embed="rId2"/>
-              <a:srcRect l="89456"/>
-              <a:stretch/>
-            </p:blipFill>
-            <p:spPr>
-              <a:xfrm>
-                <a:off x="8796000" y="1358999"/>
-                <a:ext cx="959562" cy="4919837"/>
-              </a:xfrm>
-              <a:prstGeom prst="rect">
-                <a:avLst/>
-              </a:prstGeom>
-            </p:spPr>
-          </p:pic>
-        </p:grpSp>
-        <p:pic>
-          <p:nvPicPr>
-            <p:cNvPr id="9" name="Picture 8"/>
-            <p:cNvPicPr>
-              <a:picLocks noChangeAspect="1"/>
-            </p:cNvPicPr>
-            <p:nvPr/>
-          </p:nvPicPr>
-          <p:blipFill>
-            <a:blip r:embed="rId3"/>
-            <a:stretch>
-              <a:fillRect/>
-            </a:stretch>
-          </p:blipFill>
-          <p:spPr>
-            <a:xfrm>
-              <a:off x="3993996" y="1509748"/>
-              <a:ext cx="1994902" cy="4975875"/>
-            </a:xfrm>
-            <a:prstGeom prst="rect">
-              <a:avLst/>
-            </a:prstGeom>
-          </p:spPr>
-        </p:pic>
-      </p:grpSp>
       <p:sp>
         <p:nvSpPr>
           <p:cNvPr id="11" name="Rounded Rectangular Callout 10"/>
@@ -11009,8 +11089,8 @@
           </a:xfrm>
           <a:prstGeom prst="wedgeRoundRectCallout">
             <a:avLst>
-              <a:gd name="adj1" fmla="val -50125"/>
-              <a:gd name="adj2" fmla="val -17258"/>
+              <a:gd name="adj1" fmla="val -57793"/>
+              <a:gd name="adj2" fmla="val -41429"/>
               <a:gd name="adj3" fmla="val 16667"/>
             </a:avLst>
           </a:prstGeom>
@@ -11093,7 +11173,7 @@
         </p:nvSpPr>
         <p:spPr bwMode="auto">
           <a:xfrm>
-            <a:off x="5256343" y="1358794"/>
+            <a:off x="5488667" y="1481767"/>
             <a:ext cx="4866735" cy="1395000"/>
           </a:xfrm>
           <a:prstGeom prst="wedgeRoundRectCallout">
@@ -11230,13 +11310,13 @@
         </p:nvSpPr>
         <p:spPr bwMode="auto">
           <a:xfrm>
-            <a:off x="5623078" y="3129184"/>
+            <a:off x="5781000" y="3375130"/>
             <a:ext cx="4500000" cy="1485000"/>
           </a:xfrm>
           <a:prstGeom prst="wedgeRoundRectCallout">
             <a:avLst>
-              <a:gd name="adj1" fmla="val -60078"/>
-              <a:gd name="adj2" fmla="val -4509"/>
+              <a:gd name="adj1" fmla="val -57778"/>
+              <a:gd name="adj2" fmla="val 22213"/>
               <a:gd name="adj3" fmla="val 16667"/>
             </a:avLst>
           </a:prstGeom>
@@ -11367,13 +11447,13 @@
         </p:nvSpPr>
         <p:spPr bwMode="auto">
           <a:xfrm>
-            <a:off x="111000" y="2747547"/>
-            <a:ext cx="2790000" cy="1440000"/>
+            <a:off x="381000" y="1554184"/>
+            <a:ext cx="2991762" cy="1575000"/>
           </a:xfrm>
           <a:prstGeom prst="wedgeRoundRectCallout">
             <a:avLst>
-              <a:gd name="adj1" fmla="val 91306"/>
-              <a:gd name="adj2" fmla="val -100608"/>
+              <a:gd name="adj1" fmla="val 97073"/>
+              <a:gd name="adj2" fmla="val -9141"/>
               <a:gd name="adj3" fmla="val 16667"/>
             </a:avLst>
           </a:prstGeom>
@@ -11926,15 +12006,20 @@
           <p:nvPr/>
         </p:nvPicPr>
         <p:blipFill>
-          <a:blip r:embed="rId2"/>
-          <a:stretch>
-            <a:fillRect/>
-          </a:stretch>
+          <a:blip r:embed="rId2">
+            <a:extLst>
+              <a:ext uri="{28A0092B-C50C-407E-A947-70E740481C1C}">
+                <a14:useLocalDpi xmlns:a14="http://schemas.microsoft.com/office/drawing/2010/main" val="0"/>
+              </a:ext>
+            </a:extLst>
+          </a:blip>
+          <a:srcRect/>
+          <a:stretch/>
         </p:blipFill>
         <p:spPr>
           <a:xfrm>
-            <a:off x="8368606" y="1251151"/>
-            <a:ext cx="3375000" cy="5473740"/>
+            <a:off x="8368606" y="1289103"/>
+            <a:ext cx="3375000" cy="5397835"/>
           </a:xfrm>
           <a:prstGeom prst="rect">
             <a:avLst/>
@@ -12294,14 +12379,20 @@
           <p:nvPr/>
         </p:nvPicPr>
         <p:blipFill rotWithShape="1">
-          <a:blip r:embed="rId2"/>
-          <a:srcRect l="4887" t="3315" r="7154" b="5525"/>
+          <a:blip r:embed="rId2">
+            <a:extLst>
+              <a:ext uri="{28A0092B-C50C-407E-A947-70E740481C1C}">
+                <a14:useLocalDpi xmlns:a14="http://schemas.microsoft.com/office/drawing/2010/main" val="0"/>
+              </a:ext>
+            </a:extLst>
+          </a:blip>
+          <a:srcRect l="781" r="781"/>
           <a:stretch/>
         </p:blipFill>
         <p:spPr>
           <a:xfrm>
-            <a:off x="1191000" y="1899000"/>
-            <a:ext cx="3465000" cy="3529167"/>
+            <a:off x="921000" y="1899000"/>
+            <a:ext cx="4005000" cy="3529167"/>
           </a:xfrm>
           <a:prstGeom prst="rect">
             <a:avLst/>
@@ -12359,7 +12450,7 @@
         </p:blipFill>
         <p:spPr>
           <a:xfrm>
-            <a:off x="1461000" y="2979000"/>
+            <a:off x="1281000" y="2889000"/>
             <a:ext cx="1957120" cy="2111737"/>
           </a:xfrm>
           <a:prstGeom prst="rect">
@@ -13167,7 +13258,7 @@
             <a:r>
               <a:rPr lang="ru-RU" sz="2800" b="1" dirty="0">
                 <a:solidFill>
-                  <a:schemeClr val="bg1">
+                  <a:schemeClr val="accent1">
                     <a:lumMod val="60000"/>
                     <a:lumOff val="40000"/>
                   </a:schemeClr>
@@ -13308,7 +13399,7 @@
             <a:r>
               <a:rPr lang="ru-RU" sz="2800" b="1" dirty="0">
                 <a:solidFill>
-                  <a:schemeClr val="bg1">
+                  <a:schemeClr val="accent1">
                     <a:lumMod val="60000"/>
                     <a:lumOff val="40000"/>
                   </a:schemeClr>
@@ -13345,7 +13436,7 @@
             <a:r>
               <a:rPr lang="ru-RU" sz="2800" b="1" dirty="0">
                 <a:solidFill>
-                  <a:schemeClr val="bg1">
+                  <a:schemeClr val="accent1">
                     <a:lumMod val="60000"/>
                     <a:lumOff val="40000"/>
                   </a:schemeClr>
@@ -14011,7 +14102,7 @@
                 <a:hlinkClick r:id="rId3">
                   <a:extLst>
                     <a:ext uri="{A12FA001-AC4F-418D-AE19-62706E023703}">
-                      <ahyp:hlinkClr xmlns:ahyp="http://schemas.microsoft.com/office/drawing/2018/hyperlinkcolor" xmlns="" val="tx"/>
+                      <ahyp:hlinkClr xmlns:ahyp="http://schemas.microsoft.com/office/drawing/2018/hyperlinkcolor" val="tx"/>
                     </a:ext>
                   </a:extLst>
                 </a:hlinkClick>
@@ -15081,7 +15172,7 @@
         <p:spPr/>
         <p:txBody>
           <a:bodyPr>
-            <a:normAutofit fontScale="92500" lnSpcReduction="10000"/>
+            <a:normAutofit fontScale="92500"/>
           </a:bodyPr>
           <a:lstStyle/>
           <a:p>
@@ -15279,15 +15370,20 @@
           <p:nvPr/>
         </p:nvPicPr>
         <p:blipFill>
-          <a:blip r:embed="rId2"/>
-          <a:stretch>
-            <a:fillRect/>
-          </a:stretch>
+          <a:blip r:embed="rId2">
+            <a:extLst>
+              <a:ext uri="{28A0092B-C50C-407E-A947-70E740481C1C}">
+                <a14:useLocalDpi xmlns:a14="http://schemas.microsoft.com/office/drawing/2010/main" val="0"/>
+              </a:ext>
+            </a:extLst>
+          </a:blip>
+          <a:srcRect r="1314"/>
+          <a:stretch/>
         </p:blipFill>
         <p:spPr>
           <a:xfrm>
-            <a:off x="6501000" y="4194000"/>
-            <a:ext cx="4680000" cy="1670400"/>
+            <a:off x="6816000" y="4059000"/>
+            <a:ext cx="4455000" cy="1670400"/>
           </a:xfrm>
           <a:prstGeom prst="rect">
             <a:avLst/>
@@ -15824,12 +15920,12 @@
         <p:spPr>
           <a:xfrm>
             <a:off x="190402" y="1196125"/>
-            <a:ext cx="8515598" cy="5528766"/>
+            <a:ext cx="8245598" cy="5528766"/>
           </a:xfrm>
         </p:spPr>
         <p:txBody>
           <a:bodyPr>
-            <a:normAutofit lnSpcReduction="10000"/>
+            <a:normAutofit fontScale="92500"/>
           </a:bodyPr>
           <a:lstStyle/>
           <a:p>
@@ -15973,15 +16069,20 @@
           <p:nvPr/>
         </p:nvPicPr>
         <p:blipFill>
-          <a:blip r:embed="rId2"/>
-          <a:stretch>
-            <a:fillRect/>
-          </a:stretch>
+          <a:blip r:embed="rId3">
+            <a:extLst>
+              <a:ext uri="{28A0092B-C50C-407E-A947-70E740481C1C}">
+                <a14:useLocalDpi xmlns:a14="http://schemas.microsoft.com/office/drawing/2010/main" val="0"/>
+              </a:ext>
+            </a:extLst>
+          </a:blip>
+          <a:srcRect/>
+          <a:stretch/>
         </p:blipFill>
         <p:spPr>
           <a:xfrm>
-            <a:off x="8693499" y="1719000"/>
-            <a:ext cx="2957030" cy="4032314"/>
+            <a:off x="8706000" y="1513793"/>
+            <a:ext cx="2970000" cy="4893429"/>
           </a:xfrm>
           <a:prstGeom prst="rect">
             <a:avLst/>
@@ -16768,14 +16869,20 @@
           <p:nvPr/>
         </p:nvPicPr>
         <p:blipFill rotWithShape="1">
-          <a:blip r:embed="rId3"/>
-          <a:srcRect t="777" b="-1"/>
+          <a:blip r:embed="rId3">
+            <a:extLst>
+              <a:ext uri="{28A0092B-C50C-407E-A947-70E740481C1C}">
+                <a14:useLocalDpi xmlns:a14="http://schemas.microsoft.com/office/drawing/2010/main" val="0"/>
+              </a:ext>
+            </a:extLst>
+          </a:blip>
+          <a:srcRect t="-810" b="1028"/>
           <a:stretch/>
         </p:blipFill>
         <p:spPr>
           <a:xfrm>
-            <a:off x="7121894" y="4216508"/>
-            <a:ext cx="1899091" cy="2497492"/>
+            <a:off x="7044704" y="4152902"/>
+            <a:ext cx="1899091" cy="2632487"/>
           </a:xfrm>
           <a:prstGeom prst="rect">
             <a:avLst/>
@@ -17710,14 +17817,20 @@
           <p:nvPr/>
         </p:nvPicPr>
         <p:blipFill rotWithShape="1">
-          <a:blip r:embed="rId3"/>
-          <a:srcRect t="946" b="1744"/>
+          <a:blip r:embed="rId3">
+            <a:extLst>
+              <a:ext uri="{28A0092B-C50C-407E-A947-70E740481C1C}">
+                <a14:useLocalDpi xmlns:a14="http://schemas.microsoft.com/office/drawing/2010/main" val="0"/>
+              </a:ext>
+            </a:extLst>
+          </a:blip>
+          <a:srcRect l="-980" r="588"/>
           <a:stretch/>
         </p:blipFill>
         <p:spPr>
           <a:xfrm>
-            <a:off x="9326870" y="1702677"/>
-            <a:ext cx="2169130" cy="3908824"/>
+            <a:off x="9246001" y="1702677"/>
+            <a:ext cx="2294999" cy="3908824"/>
           </a:xfrm>
           <a:prstGeom prst="rect">
             <a:avLst/>
@@ -18457,15 +18570,20 @@
           <p:nvPr/>
         </p:nvPicPr>
         <p:blipFill>
-          <a:blip r:embed="rId2"/>
-          <a:stretch>
-            <a:fillRect/>
-          </a:stretch>
+          <a:blip r:embed="rId2">
+            <a:extLst>
+              <a:ext uri="{28A0092B-C50C-407E-A947-70E740481C1C}">
+                <a14:useLocalDpi xmlns:a14="http://schemas.microsoft.com/office/drawing/2010/main" val="0"/>
+              </a:ext>
+            </a:extLst>
+          </a:blip>
+          <a:srcRect l="-1" r="720"/>
+          <a:stretch/>
         </p:blipFill>
         <p:spPr>
           <a:xfrm>
-            <a:off x="381000" y="1269000"/>
-            <a:ext cx="4779229" cy="1710000"/>
+            <a:off x="446768" y="1269000"/>
+            <a:ext cx="4614232" cy="1710000"/>
           </a:xfrm>
           <a:prstGeom prst="rect">
             <a:avLst/>
@@ -18488,15 +18606,20 @@
           <p:nvPr/>
         </p:nvPicPr>
         <p:blipFill>
-          <a:blip r:embed="rId3"/>
-          <a:stretch>
-            <a:fillRect/>
-          </a:stretch>
+          <a:blip r:embed="rId3">
+            <a:extLst>
+              <a:ext uri="{28A0092B-C50C-407E-A947-70E740481C1C}">
+                <a14:useLocalDpi xmlns:a14="http://schemas.microsoft.com/office/drawing/2010/main" val="0"/>
+              </a:ext>
+            </a:extLst>
+          </a:blip>
+          <a:srcRect/>
+          <a:stretch/>
         </p:blipFill>
         <p:spPr>
           <a:xfrm>
-            <a:off x="6501000" y="1461927"/>
-            <a:ext cx="4210638" cy="5210902"/>
+            <a:off x="6632721" y="1269672"/>
+            <a:ext cx="3972902" cy="5385828"/>
           </a:xfrm>
           <a:prstGeom prst="rect">
             <a:avLst/>
@@ -18587,7 +18710,7 @@
             <a:r>
               <a:rPr lang="en-US" sz="2800" b="1" dirty="0">
                 <a:solidFill>
-                  <a:schemeClr val="bg1">
+                  <a:schemeClr val="accent1">
                     <a:lumMod val="60000"/>
                     <a:lumOff val="40000"/>
                   </a:schemeClr>
@@ -18646,7 +18769,7 @@
         </p:nvSpPr>
         <p:spPr bwMode="auto">
           <a:xfrm>
-            <a:off x="9343149" y="3344044"/>
+            <a:off x="9163149" y="3203330"/>
             <a:ext cx="2610000" cy="1017000"/>
           </a:xfrm>
           <a:prstGeom prst="wedgeRoundRectCallout">
@@ -18756,8 +18879,8 @@
         </p:nvSpPr>
         <p:spPr bwMode="auto">
           <a:xfrm>
-            <a:off x="6591000" y="2058973"/>
-            <a:ext cx="4050000" cy="703523"/>
+            <a:off x="6705839" y="1899001"/>
+            <a:ext cx="3845161" cy="675000"/>
           </a:xfrm>
           <a:prstGeom prst="rect">
             <a:avLst/>
@@ -18822,8 +18945,8 @@
         </p:nvSpPr>
         <p:spPr bwMode="auto">
           <a:xfrm>
-            <a:off x="6598149" y="3007780"/>
-            <a:ext cx="1387851" cy="871220"/>
+            <a:off x="6771000" y="2847989"/>
+            <a:ext cx="1440000" cy="871220"/>
           </a:xfrm>
           <a:prstGeom prst="rect">
             <a:avLst/>
